--- a/02-ux-design-process/Week2/User-journey-map-activity/User-Journey-Map-Portfolio-Project.pptx
+++ b/02-ux-design-process/Week2/User-journey-map-activity/User-Journey-Map-Portfolio-Project.pptx
@@ -43,7 +43,7 @@
         <p:txBody>
           <a:bodyPr/>
           <a:p>
-            <a:fld id="{BCF612B5-1A1B-4AD9-8892-1772842F8B97}" type="slidenum">
+            <a:fld id="{DD32D4AC-DC65-4505-98F4-0EE5320B75BE}" type="slidenum">
               <a:t>&lt;#&gt;</a:t>
             </a:fld>
           </a:p>
@@ -211,7 +211,7 @@
         <p:txBody>
           <a:bodyPr/>
           <a:p>
-            <a:fld id="{9F3EF32B-CD72-474C-9FD2-E15FE3BC16BC}" type="slidenum">
+            <a:fld id="{F0ADBE46-7E40-4C43-BC06-8F0C4DAECDF4}" type="slidenum">
               <a:t>&lt;#&gt;</a:t>
             </a:fld>
           </a:p>
@@ -465,7 +465,7 @@
         <p:txBody>
           <a:bodyPr/>
           <a:p>
-            <a:fld id="{C5730007-952C-4007-A062-FEB686699A4E}" type="slidenum">
+            <a:fld id="{740A03F7-456D-45EA-8D49-D16B33BD986C}" type="slidenum">
               <a:t>&lt;#&gt;</a:t>
             </a:fld>
           </a:p>
@@ -805,7 +805,7 @@
         <p:txBody>
           <a:bodyPr/>
           <a:p>
-            <a:fld id="{6B2B04C7-35D5-4034-BDDF-885F78E2F695}" type="slidenum">
+            <a:fld id="{730693B2-ABB3-498D-8059-0766F30F8417}" type="slidenum">
               <a:t>&lt;#&gt;</a:t>
             </a:fld>
           </a:p>
@@ -927,7 +927,7 @@
         <p:txBody>
           <a:bodyPr/>
           <a:p>
-            <a:fld id="{ECE92E6E-4DCA-45A7-9F6C-5CD5DC3C2DAD}" type="slidenum">
+            <a:fld id="{E0DD01BC-4E87-4620-B8AA-8A4BA8918B86}" type="slidenum">
               <a:t>&lt;#&gt;</a:t>
             </a:fld>
           </a:p>
@@ -1052,7 +1052,7 @@
         <p:txBody>
           <a:bodyPr/>
           <a:p>
-            <a:fld id="{798AA4C7-544A-4C43-8486-DE58359D62F2}" type="slidenum">
+            <a:fld id="{A5C70C2F-0BDD-455D-9705-D992EFEEE5CB}" type="slidenum">
               <a:t>&lt;#&gt;</a:t>
             </a:fld>
           </a:p>
@@ -1220,7 +1220,7 @@
         <p:txBody>
           <a:bodyPr/>
           <a:p>
-            <a:fld id="{4584C543-E363-42BA-B8B0-52030E0E0F98}" type="slidenum">
+            <a:fld id="{40169B26-CDC9-4C1C-A8CC-856585C8FB71}" type="slidenum">
               <a:t>&lt;#&gt;</a:t>
             </a:fld>
           </a:p>
@@ -1302,7 +1302,7 @@
         <p:txBody>
           <a:bodyPr/>
           <a:p>
-            <a:fld id="{5BCA6FE3-FC53-4CC3-821B-661694AA2DD6}" type="slidenum">
+            <a:fld id="{00209ADD-FB8D-4978-8FB8-0E984F32AFD0}" type="slidenum">
               <a:t>&lt;#&gt;</a:t>
             </a:fld>
           </a:p>
@@ -1382,7 +1382,7 @@
         <p:txBody>
           <a:bodyPr/>
           <a:p>
-            <a:fld id="{10D2F1EB-FDA2-43C8-8A0B-AF14BB9FEE59}" type="slidenum">
+            <a:fld id="{E009FDC7-2123-46DF-826B-EDA0C93A7C92}" type="slidenum">
               <a:t>&lt;#&gt;</a:t>
             </a:fld>
           </a:p>
@@ -1593,7 +1593,7 @@
         <p:txBody>
           <a:bodyPr/>
           <a:p>
-            <a:fld id="{88D6EA1E-D0DB-46E4-A409-B6E0832FE355}" type="slidenum">
+            <a:fld id="{CAB8D28B-173C-4215-83A2-906149A82600}" type="slidenum">
               <a:t>&lt;#&gt;</a:t>
             </a:fld>
           </a:p>
@@ -1804,7 +1804,7 @@
         <p:txBody>
           <a:bodyPr/>
           <a:p>
-            <a:fld id="{5D60B8B8-89F2-45E6-B129-9CB3B6E21406}" type="slidenum">
+            <a:fld id="{E1A1226C-86F9-42D0-9091-501DF550C27B}" type="slidenum">
               <a:t>&lt;#&gt;</a:t>
             </a:fld>
           </a:p>
@@ -2015,7 +2015,7 @@
         <p:txBody>
           <a:bodyPr/>
           <a:p>
-            <a:fld id="{A4A3E7A6-7E7F-4FEA-B1C5-27BD28875793}" type="slidenum">
+            <a:fld id="{3AF52F97-18D8-4628-94BE-04CD90788E6E}" type="slidenum">
               <a:t>&lt;#&gt;</a:t>
             </a:fld>
           </a:p>
@@ -2105,7 +2105,7 @@
                 <a:tab algn="l" pos="0"/>
               </a:tabLst>
             </a:pPr>
-            <a:fld id="{74F9293C-90C1-4767-8E9E-EF90426E9EF0}" type="slidenum">
+            <a:fld id="{D271FC17-02DF-4E48-A988-4641A53847DC}" type="slidenum">
               <a:rPr b="0" lang="en" sz="1000" spc="-1" strike="noStrike">
                 <a:solidFill>
                   <a:schemeClr val="dk2"/>
@@ -2566,20 +2566,20 @@
           <p:nvPr/>
         </p:nvGraphicFramePr>
         <p:xfrm>
-          <a:off x="356760" y="1485360"/>
-          <a:ext cx="10058040" cy="5272200"/>
+          <a:off x="356760" y="1341360"/>
+          <a:ext cx="9978120" cy="5500800"/>
         </p:xfrm>
         <a:graphic>
           <a:graphicData uri="http://schemas.openxmlformats.org/drawingml/2006/table">
             <a:tbl>
               <a:tblPr/>
               <a:tblGrid>
-                <a:gridCol w="1676160"/>
-                <a:gridCol w="1676160"/>
-                <a:gridCol w="1676160"/>
-                <a:gridCol w="1652400"/>
-                <a:gridCol w="1698480"/>
-                <a:gridCol w="1679040"/>
+                <a:gridCol w="1663200"/>
+                <a:gridCol w="1663200"/>
+                <a:gridCol w="1663200"/>
+                <a:gridCol w="1639440"/>
+                <a:gridCol w="1685160"/>
+                <a:gridCol w="1664280"/>
               </a:tblGrid>
               <a:tr h="556920">
                 <a:tc>
@@ -2955,7 +2955,7 @@
                   </a:tcPr>
                 </a:tc>
               </a:tr>
-              <a:tr h="1850040">
+              <a:tr h="2013120">
                 <a:tc>
                   <a:txBody>
                     <a:bodyPr lIns="91080" rIns="91080" tIns="91080" bIns="91080" anchor="ctr">
